--- a/doc/session2/UML.pptx
+++ b/doc/session2/UML.pptx
@@ -7,6 +7,7 @@
   <p:sldIdLst>
     <p:sldId id="256" r:id="rId2"/>
     <p:sldId id="257" r:id="rId3"/>
+    <p:sldId id="258" r:id="rId4"/>
   </p:sldIdLst>
   <p:sldSz cx="12192000" cy="6858000"/>
   <p:notesSz cx="6858000" cy="9144000"/>
@@ -260,7 +261,7 @@
           <a:p>
             <a:fld id="{A3DA12C5-1261-45A8-A33B-E8AE35619F1B}" type="datetimeFigureOut">
               <a:rPr lang="fr-FR" smtClean="0"/>
-              <a:t>09/02/2021</a:t>
+              <a:t>07/02/2023</a:t>
             </a:fld>
             <a:endParaRPr lang="fr-FR"/>
           </a:p>
@@ -458,7 +459,7 @@
           <a:p>
             <a:fld id="{A3DA12C5-1261-45A8-A33B-E8AE35619F1B}" type="datetimeFigureOut">
               <a:rPr lang="fr-FR" smtClean="0"/>
-              <a:t>09/02/2021</a:t>
+              <a:t>07/02/2023</a:t>
             </a:fld>
             <a:endParaRPr lang="fr-FR"/>
           </a:p>
@@ -666,7 +667,7 @@
           <a:p>
             <a:fld id="{A3DA12C5-1261-45A8-A33B-E8AE35619F1B}" type="datetimeFigureOut">
               <a:rPr lang="fr-FR" smtClean="0"/>
-              <a:t>09/02/2021</a:t>
+              <a:t>07/02/2023</a:t>
             </a:fld>
             <a:endParaRPr lang="fr-FR"/>
           </a:p>
@@ -864,7 +865,7 @@
           <a:p>
             <a:fld id="{A3DA12C5-1261-45A8-A33B-E8AE35619F1B}" type="datetimeFigureOut">
               <a:rPr lang="fr-FR" smtClean="0"/>
-              <a:t>09/02/2021</a:t>
+              <a:t>07/02/2023</a:t>
             </a:fld>
             <a:endParaRPr lang="fr-FR"/>
           </a:p>
@@ -1139,7 +1140,7 @@
           <a:p>
             <a:fld id="{A3DA12C5-1261-45A8-A33B-E8AE35619F1B}" type="datetimeFigureOut">
               <a:rPr lang="fr-FR" smtClean="0"/>
-              <a:t>09/02/2021</a:t>
+              <a:t>07/02/2023</a:t>
             </a:fld>
             <a:endParaRPr lang="fr-FR"/>
           </a:p>
@@ -1404,7 +1405,7 @@
           <a:p>
             <a:fld id="{A3DA12C5-1261-45A8-A33B-E8AE35619F1B}" type="datetimeFigureOut">
               <a:rPr lang="fr-FR" smtClean="0"/>
-              <a:t>09/02/2021</a:t>
+              <a:t>07/02/2023</a:t>
             </a:fld>
             <a:endParaRPr lang="fr-FR"/>
           </a:p>
@@ -1816,7 +1817,7 @@
           <a:p>
             <a:fld id="{A3DA12C5-1261-45A8-A33B-E8AE35619F1B}" type="datetimeFigureOut">
               <a:rPr lang="fr-FR" smtClean="0"/>
-              <a:t>09/02/2021</a:t>
+              <a:t>07/02/2023</a:t>
             </a:fld>
             <a:endParaRPr lang="fr-FR"/>
           </a:p>
@@ -1957,7 +1958,7 @@
           <a:p>
             <a:fld id="{A3DA12C5-1261-45A8-A33B-E8AE35619F1B}" type="datetimeFigureOut">
               <a:rPr lang="fr-FR" smtClean="0"/>
-              <a:t>09/02/2021</a:t>
+              <a:t>07/02/2023</a:t>
             </a:fld>
             <a:endParaRPr lang="fr-FR"/>
           </a:p>
@@ -2070,7 +2071,7 @@
           <a:p>
             <a:fld id="{A3DA12C5-1261-45A8-A33B-E8AE35619F1B}" type="datetimeFigureOut">
               <a:rPr lang="fr-FR" smtClean="0"/>
-              <a:t>09/02/2021</a:t>
+              <a:t>07/02/2023</a:t>
             </a:fld>
             <a:endParaRPr lang="fr-FR"/>
           </a:p>
@@ -2381,7 +2382,7 @@
           <a:p>
             <a:fld id="{A3DA12C5-1261-45A8-A33B-E8AE35619F1B}" type="datetimeFigureOut">
               <a:rPr lang="fr-FR" smtClean="0"/>
-              <a:t>09/02/2021</a:t>
+              <a:t>07/02/2023</a:t>
             </a:fld>
             <a:endParaRPr lang="fr-FR"/>
           </a:p>
@@ -2669,7 +2670,7 @@
           <a:p>
             <a:fld id="{A3DA12C5-1261-45A8-A33B-E8AE35619F1B}" type="datetimeFigureOut">
               <a:rPr lang="fr-FR" smtClean="0"/>
-              <a:t>09/02/2021</a:t>
+              <a:t>07/02/2023</a:t>
             </a:fld>
             <a:endParaRPr lang="fr-FR"/>
           </a:p>
@@ -2910,7 +2911,7 @@
           <a:p>
             <a:fld id="{A3DA12C5-1261-45A8-A33B-E8AE35619F1B}" type="datetimeFigureOut">
               <a:rPr lang="fr-FR" smtClean="0"/>
-              <a:t>09/02/2021</a:t>
+              <a:t>07/02/2023</a:t>
             </a:fld>
             <a:endParaRPr lang="fr-FR"/>
           </a:p>
@@ -4519,6 +4520,664 @@
 </p:sld>
 </file>
 
+<file path=ppt/slides/slide3.xml><?xml version="1.0" encoding="utf-8"?>
+<p:sld xmlns:a="http://schemas.openxmlformats.org/drawingml/2006/main" xmlns:r="http://schemas.openxmlformats.org/officeDocument/2006/relationships" xmlns:p="http://schemas.openxmlformats.org/presentationml/2006/main">
+  <p:cSld>
+    <p:spTree>
+      <p:nvGrpSpPr>
+        <p:cNvPr id="1" name=""/>
+        <p:cNvGrpSpPr/>
+        <p:nvPr/>
+      </p:nvGrpSpPr>
+      <p:grpSpPr>
+        <a:xfrm>
+          <a:off x="0" y="0"/>
+          <a:ext cx="0" cy="0"/>
+          <a:chOff x="0" y="0"/>
+          <a:chExt cx="0" cy="0"/>
+        </a:xfrm>
+      </p:grpSpPr>
+      <p:graphicFrame>
+        <p:nvGraphicFramePr>
+          <p:cNvPr id="4" name="Tableau 3">
+            <a:extLst>
+              <a:ext uri="{FF2B5EF4-FFF2-40B4-BE49-F238E27FC236}">
+                <a16:creationId xmlns:a16="http://schemas.microsoft.com/office/drawing/2014/main" id="{37118B40-4ED5-4200-9E6D-5546041AA6A8}"/>
+              </a:ext>
+            </a:extLst>
+          </p:cNvPr>
+          <p:cNvGraphicFramePr>
+            <a:graphicFrameLocks noGrp="1"/>
+          </p:cNvGraphicFramePr>
+          <p:nvPr>
+            <p:extLst>
+              <p:ext uri="{D42A27DB-BD31-4B8C-83A1-F6EECF244321}">
+                <p14:modId xmlns:p14="http://schemas.microsoft.com/office/powerpoint/2010/main" val="3354007775"/>
+              </p:ext>
+            </p:extLst>
+          </p:nvPr>
+        </p:nvGraphicFramePr>
+        <p:xfrm>
+          <a:off x="729861" y="399098"/>
+          <a:ext cx="10732278" cy="6059804"/>
+        </p:xfrm>
+        <a:graphic>
+          <a:graphicData uri="http://schemas.openxmlformats.org/drawingml/2006/table">
+            <a:tbl>
+              <a:tblPr firstRow="1" bandRow="1">
+                <a:tableStyleId>{69CF1AB2-1976-4502-BF36-3FF5EA218861}</a:tableStyleId>
+              </a:tblPr>
+              <a:tblGrid>
+                <a:gridCol w="10732278">
+                  <a:extLst>
+                    <a:ext uri="{9D8B030D-6E8A-4147-A177-3AD203B41FA5}">
+                      <a16:colId xmlns:a16="http://schemas.microsoft.com/office/drawing/2014/main" val="2187277943"/>
+                    </a:ext>
+                  </a:extLst>
+                </a:gridCol>
+              </a:tblGrid>
+              <a:tr h="501014">
+                <a:tc>
+                  <a:txBody>
+                    <a:bodyPr/>
+                    <a:lstStyle/>
+                    <a:p>
+                      <a:pPr algn="ctr">
+                        <a:lnSpc>
+                          <a:spcPts val="2500"/>
+                        </a:lnSpc>
+                      </a:pPr>
+                      <a:r>
+                        <a:rPr lang="fr-FR" sz="2400">
+                          <a:solidFill>
+                            <a:schemeClr val="bg1"/>
+                          </a:solidFill>
+                          <a:latin typeface="Courier New" panose="02070309020205020404" pitchFamily="49" charset="0"/>
+                          <a:cs typeface="Courier New" panose="02070309020205020404" pitchFamily="49" charset="0"/>
+                        </a:rPr>
+                        <a:t>PixelWriter</a:t>
+                      </a:r>
+                      <a:endParaRPr lang="fr-FR" sz="2400" dirty="0">
+                        <a:solidFill>
+                          <a:schemeClr val="bg1"/>
+                        </a:solidFill>
+                        <a:latin typeface="Courier New" panose="02070309020205020404" pitchFamily="49" charset="0"/>
+                        <a:cs typeface="Courier New" panose="02070309020205020404" pitchFamily="49" charset="0"/>
+                      </a:endParaRPr>
+                    </a:p>
+                  </a:txBody>
+                  <a:tcPr anchor="ctr">
+                    <a:solidFill>
+                      <a:srgbClr val="4D5CA9"/>
+                    </a:solidFill>
+                  </a:tcPr>
+                </a:tc>
+                <a:extLst>
+                  <a:ext uri="{0D108BD9-81ED-4DB2-BD59-A6C34878D82A}">
+                    <a16:rowId xmlns:a16="http://schemas.microsoft.com/office/drawing/2014/main" val="2820635096"/>
+                  </a:ext>
+                </a:extLst>
+              </a:tr>
+              <a:tr h="1002028">
+                <a:tc>
+                  <a:txBody>
+                    <a:bodyPr/>
+                    <a:lstStyle/>
+                    <a:p>
+                      <a:pPr marL="0" indent="0" algn="l">
+                        <a:lnSpc>
+                          <a:spcPts val="2500"/>
+                        </a:lnSpc>
+                        <a:buFontTx/>
+                        <a:buNone/>
+                      </a:pPr>
+                      <a:r>
+                        <a:rPr lang="fr-FR" dirty="0">
+                          <a:latin typeface="Courier New" panose="02070309020205020404" pitchFamily="49" charset="0"/>
+                          <a:cs typeface="Courier New" panose="02070309020205020404" pitchFamily="49" charset="0"/>
+                        </a:rPr>
+                        <a:t>- </a:t>
+                      </a:r>
+                      <a:r>
+                        <a:rPr lang="fr-FR" dirty="0" err="1">
+                          <a:latin typeface="Courier New" panose="02070309020205020404" pitchFamily="49" charset="0"/>
+                          <a:cs typeface="Courier New" panose="02070309020205020404" pitchFamily="49" charset="0"/>
+                        </a:rPr>
+                        <a:t>device</a:t>
+                      </a:r>
+                      <a:r>
+                        <a:rPr lang="fr-FR" dirty="0">
+                          <a:latin typeface="Courier New" panose="02070309020205020404" pitchFamily="49" charset="0"/>
+                          <a:cs typeface="Courier New" panose="02070309020205020404" pitchFamily="49" charset="0"/>
+                        </a:rPr>
+                        <a:t>_ : </a:t>
+                      </a:r>
+                      <a:r>
+                        <a:rPr lang="fr-FR" dirty="0" err="1">
+                          <a:latin typeface="Courier New" panose="02070309020205020404" pitchFamily="49" charset="0"/>
+                          <a:cs typeface="Courier New" panose="02070309020205020404" pitchFamily="49" charset="0"/>
+                        </a:rPr>
+                        <a:t>SenseHat</a:t>
+                      </a:r>
+                      <a:endParaRPr lang="fr-FR" dirty="0">
+                        <a:latin typeface="Courier New" panose="02070309020205020404" pitchFamily="49" charset="0"/>
+                        <a:cs typeface="Courier New" panose="02070309020205020404" pitchFamily="49" charset="0"/>
+                      </a:endParaRPr>
+                    </a:p>
+                    <a:p>
+                      <a:pPr marL="0" indent="0" algn="l">
+                        <a:lnSpc>
+                          <a:spcPts val="2500"/>
+                        </a:lnSpc>
+                        <a:buFontTx/>
+                        <a:buNone/>
+                      </a:pPr>
+                      <a:r>
+                        <a:rPr lang="fr-FR" dirty="0">
+                          <a:latin typeface="Courier New" panose="02070309020205020404" pitchFamily="49" charset="0"/>
+                          <a:cs typeface="Courier New" panose="02070309020205020404" pitchFamily="49" charset="0"/>
+                        </a:rPr>
+                        <a:t>- </a:t>
+                      </a:r>
+                      <a:r>
+                        <a:rPr lang="fr-FR" dirty="0" err="1">
+                          <a:latin typeface="Courier New" panose="02070309020205020404" pitchFamily="49" charset="0"/>
+                          <a:cs typeface="Courier New" panose="02070309020205020404" pitchFamily="49" charset="0"/>
+                        </a:rPr>
+                        <a:t>forecolor</a:t>
+                      </a:r>
+                      <a:r>
+                        <a:rPr lang="fr-FR" dirty="0">
+                          <a:latin typeface="Courier New" panose="02070309020205020404" pitchFamily="49" charset="0"/>
+                          <a:cs typeface="Courier New" panose="02070309020205020404" pitchFamily="49" charset="0"/>
+                        </a:rPr>
+                        <a:t>_: </a:t>
+                      </a:r>
+                      <a:r>
+                        <a:rPr lang="fr-FR" dirty="0" err="1">
+                          <a:latin typeface="Courier New" panose="02070309020205020404" pitchFamily="49" charset="0"/>
+                          <a:cs typeface="Courier New" panose="02070309020205020404" pitchFamily="49" charset="0"/>
+                        </a:rPr>
+                        <a:t>Color_t</a:t>
+                      </a:r>
+                      <a:endParaRPr lang="fr-FR" dirty="0">
+                        <a:latin typeface="Courier New" panose="02070309020205020404" pitchFamily="49" charset="0"/>
+                        <a:cs typeface="Courier New" panose="02070309020205020404" pitchFamily="49" charset="0"/>
+                      </a:endParaRPr>
+                    </a:p>
+                    <a:p>
+                      <a:pPr marL="0" indent="0" algn="l">
+                        <a:lnSpc>
+                          <a:spcPts val="2500"/>
+                        </a:lnSpc>
+                        <a:buFontTx/>
+                        <a:buNone/>
+                      </a:pPr>
+                      <a:r>
+                        <a:rPr lang="fr-FR" dirty="0">
+                          <a:latin typeface="Courier New" panose="02070309020205020404" pitchFamily="49" charset="0"/>
+                          <a:cs typeface="Courier New" panose="02070309020205020404" pitchFamily="49" charset="0"/>
+                        </a:rPr>
+                        <a:t>- </a:t>
+                      </a:r>
+                      <a:r>
+                        <a:rPr lang="fr-FR" dirty="0" err="1">
+                          <a:latin typeface="Courier New" panose="02070309020205020404" pitchFamily="49" charset="0"/>
+                          <a:cs typeface="Courier New" panose="02070309020205020404" pitchFamily="49" charset="0"/>
+                        </a:rPr>
+                        <a:t>backcolor</a:t>
+                      </a:r>
+                      <a:r>
+                        <a:rPr lang="fr-FR" dirty="0">
+                          <a:latin typeface="Courier New" panose="02070309020205020404" pitchFamily="49" charset="0"/>
+                          <a:cs typeface="Courier New" panose="02070309020205020404" pitchFamily="49" charset="0"/>
+                        </a:rPr>
+                        <a:t>_: </a:t>
+                      </a:r>
+                      <a:r>
+                        <a:rPr lang="fr-FR" dirty="0" err="1">
+                          <a:latin typeface="Courier New" panose="02070309020205020404" pitchFamily="49" charset="0"/>
+                          <a:cs typeface="Courier New" panose="02070309020205020404" pitchFamily="49" charset="0"/>
+                        </a:rPr>
+                        <a:t>Color_t</a:t>
+                      </a:r>
+                      <a:endParaRPr lang="fr-FR" dirty="0">
+                        <a:latin typeface="Courier New" panose="02070309020205020404" pitchFamily="49" charset="0"/>
+                        <a:cs typeface="Courier New" panose="02070309020205020404" pitchFamily="49" charset="0"/>
+                      </a:endParaRPr>
+                    </a:p>
+                  </a:txBody>
+                  <a:tcPr anchor="ctr"/>
+                </a:tc>
+                <a:extLst>
+                  <a:ext uri="{0D108BD9-81ED-4DB2-BD59-A6C34878D82A}">
+                    <a16:rowId xmlns:a16="http://schemas.microsoft.com/office/drawing/2014/main" val="3658381514"/>
+                  </a:ext>
+                </a:extLst>
+              </a:tr>
+              <a:tr h="4308721">
+                <a:tc>
+                  <a:txBody>
+                    <a:bodyPr/>
+                    <a:lstStyle/>
+                    <a:p>
+                      <a:pPr algn="l">
+                        <a:lnSpc>
+                          <a:spcPts val="2500"/>
+                        </a:lnSpc>
+                      </a:pPr>
+                      <a:r>
+                        <a:rPr lang="fr-FR" dirty="0">
+                          <a:latin typeface="Courier New" panose="02070309020205020404" pitchFamily="49" charset="0"/>
+                          <a:cs typeface="Courier New" panose="02070309020205020404" pitchFamily="49" charset="0"/>
+                        </a:rPr>
+                        <a:t>+ </a:t>
+                      </a:r>
+                      <a:r>
+                        <a:rPr lang="fr-FR" dirty="0" err="1">
+                          <a:latin typeface="Courier New" panose="02070309020205020404" pitchFamily="49" charset="0"/>
+                          <a:cs typeface="Courier New" panose="02070309020205020404" pitchFamily="49" charset="0"/>
+                        </a:rPr>
+                        <a:t>PsychrometricCalculator</a:t>
+                      </a:r>
+                      <a:r>
+                        <a:rPr lang="fr-FR" dirty="0">
+                          <a:latin typeface="Courier New" panose="02070309020205020404" pitchFamily="49" charset="0"/>
+                          <a:cs typeface="Courier New" panose="02070309020205020404" pitchFamily="49" charset="0"/>
+                        </a:rPr>
+                        <a:t>()</a:t>
+                      </a:r>
+                    </a:p>
+                    <a:p>
+                      <a:pPr algn="l">
+                        <a:lnSpc>
+                          <a:spcPts val="2500"/>
+                        </a:lnSpc>
+                      </a:pPr>
+                      <a:r>
+                        <a:rPr lang="fr-FR" dirty="0">
+                          <a:latin typeface="Courier New" panose="02070309020205020404" pitchFamily="49" charset="0"/>
+                          <a:cs typeface="Courier New" panose="02070309020205020404" pitchFamily="49" charset="0"/>
+                        </a:rPr>
+                        <a:t>+ </a:t>
+                      </a:r>
+                      <a:r>
+                        <a:rPr lang="fr-FR" dirty="0" err="1">
+                          <a:latin typeface="Courier New" panose="02070309020205020404" pitchFamily="49" charset="0"/>
+                          <a:cs typeface="Courier New" panose="02070309020205020404" pitchFamily="49" charset="0"/>
+                        </a:rPr>
+                        <a:t>PsychrometricCalculator</a:t>
+                      </a:r>
+                      <a:r>
+                        <a:rPr lang="fr-FR" dirty="0">
+                          <a:latin typeface="Courier New" panose="02070309020205020404" pitchFamily="49" charset="0"/>
+                          <a:cs typeface="Courier New" panose="02070309020205020404" pitchFamily="49" charset="0"/>
+                        </a:rPr>
+                        <a:t>(t: double, ah: double, p0: double)</a:t>
+                      </a:r>
+                    </a:p>
+                    <a:p>
+                      <a:pPr algn="l">
+                        <a:lnSpc>
+                          <a:spcPts val="2500"/>
+                        </a:lnSpc>
+                      </a:pPr>
+                      <a:r>
+                        <a:rPr lang="fr-FR" dirty="0">
+                          <a:latin typeface="Courier New" panose="02070309020205020404" pitchFamily="49" charset="0"/>
+                          <a:cs typeface="Courier New" panose="02070309020205020404" pitchFamily="49" charset="0"/>
+                        </a:rPr>
+                        <a:t>+ ~</a:t>
+                      </a:r>
+                      <a:r>
+                        <a:rPr lang="fr-FR" dirty="0" err="1">
+                          <a:latin typeface="Courier New" panose="02070309020205020404" pitchFamily="49" charset="0"/>
+                          <a:cs typeface="Courier New" panose="02070309020205020404" pitchFamily="49" charset="0"/>
+                        </a:rPr>
+                        <a:t>PsychrometricCalculator</a:t>
+                      </a:r>
+                      <a:r>
+                        <a:rPr lang="fr-FR" dirty="0">
+                          <a:latin typeface="Courier New" panose="02070309020205020404" pitchFamily="49" charset="0"/>
+                          <a:cs typeface="Courier New" panose="02070309020205020404" pitchFamily="49" charset="0"/>
+                        </a:rPr>
+                        <a:t>()</a:t>
+                      </a:r>
+                    </a:p>
+                    <a:p>
+                      <a:pPr algn="l">
+                        <a:lnSpc>
+                          <a:spcPts val="2500"/>
+                        </a:lnSpc>
+                      </a:pPr>
+                      <a:r>
+                        <a:rPr lang="fr-FR" dirty="0">
+                          <a:latin typeface="Courier New" panose="02070309020205020404" pitchFamily="49" charset="0"/>
+                          <a:cs typeface="Courier New" panose="02070309020205020404" pitchFamily="49" charset="0"/>
+                        </a:rPr>
+                        <a:t>+ Clear()</a:t>
+                      </a:r>
+                    </a:p>
+                    <a:p>
+                      <a:pPr algn="l">
+                        <a:lnSpc>
+                          <a:spcPts val="2500"/>
+                        </a:lnSpc>
+                      </a:pPr>
+                      <a:r>
+                        <a:rPr lang="fr-FR" dirty="0">
+                          <a:latin typeface="Courier New" panose="02070309020205020404" pitchFamily="49" charset="0"/>
+                          <a:cs typeface="Courier New" panose="02070309020205020404" pitchFamily="49" charset="0"/>
+                        </a:rPr>
+                        <a:t>+ </a:t>
+                      </a:r>
+                      <a:r>
+                        <a:rPr lang="fr-FR" dirty="0" err="1">
+                          <a:latin typeface="Courier New" panose="02070309020205020404" pitchFamily="49" charset="0"/>
+                          <a:cs typeface="Courier New" panose="02070309020205020404" pitchFamily="49" charset="0"/>
+                        </a:rPr>
+                        <a:t>Print</a:t>
+                      </a:r>
+                      <a:r>
+                        <a:rPr lang="fr-FR" dirty="0">
+                          <a:latin typeface="Courier New" panose="02070309020205020404" pitchFamily="49" charset="0"/>
+                          <a:cs typeface="Courier New" panose="02070309020205020404" pitchFamily="49" charset="0"/>
+                        </a:rPr>
+                        <a:t>()</a:t>
+                      </a:r>
+                    </a:p>
+                    <a:p>
+                      <a:pPr algn="l">
+                        <a:lnSpc>
+                          <a:spcPts val="2500"/>
+                        </a:lnSpc>
+                      </a:pPr>
+                      <a:r>
+                        <a:rPr lang="fr-FR" dirty="0">
+                          <a:latin typeface="Courier New" panose="02070309020205020404" pitchFamily="49" charset="0"/>
+                          <a:cs typeface="Courier New" panose="02070309020205020404" pitchFamily="49" charset="0"/>
+                        </a:rPr>
+                        <a:t>+ </a:t>
+                      </a:r>
+                      <a:r>
+                        <a:rPr lang="fr-FR" dirty="0" err="1">
+                          <a:latin typeface="Courier New" panose="02070309020205020404" pitchFamily="49" charset="0"/>
+                          <a:cs typeface="Courier New" panose="02070309020205020404" pitchFamily="49" charset="0"/>
+                        </a:rPr>
+                        <a:t>SetTemperatureRelativeHumidityPressure</a:t>
+                      </a:r>
+                      <a:r>
+                        <a:rPr lang="fr-FR" dirty="0">
+                          <a:latin typeface="Courier New" panose="02070309020205020404" pitchFamily="49" charset="0"/>
+                          <a:cs typeface="Courier New" panose="02070309020205020404" pitchFamily="49" charset="0"/>
+                        </a:rPr>
+                        <a:t>(t: double, </a:t>
+                      </a:r>
+                      <a:r>
+                        <a:rPr lang="fr-FR" dirty="0" err="1">
+                          <a:latin typeface="Courier New" panose="02070309020205020404" pitchFamily="49" charset="0"/>
+                          <a:cs typeface="Courier New" panose="02070309020205020404" pitchFamily="49" charset="0"/>
+                        </a:rPr>
+                        <a:t>rh</a:t>
+                      </a:r>
+                      <a:r>
+                        <a:rPr lang="fr-FR" dirty="0">
+                          <a:latin typeface="Courier New" panose="02070309020205020404" pitchFamily="49" charset="0"/>
+                          <a:cs typeface="Courier New" panose="02070309020205020404" pitchFamily="49" charset="0"/>
+                        </a:rPr>
+                        <a:t>: double, p0: double)</a:t>
+                      </a:r>
+                    </a:p>
+                    <a:p>
+                      <a:pPr algn="l">
+                        <a:lnSpc>
+                          <a:spcPts val="2500"/>
+                        </a:lnSpc>
+                      </a:pPr>
+                      <a:r>
+                        <a:rPr lang="fr-FR" dirty="0">
+                          <a:latin typeface="Courier New" panose="02070309020205020404" pitchFamily="49" charset="0"/>
+                          <a:cs typeface="Courier New" panose="02070309020205020404" pitchFamily="49" charset="0"/>
+                        </a:rPr>
+                        <a:t>+ </a:t>
+                      </a:r>
+                      <a:r>
+                        <a:rPr lang="fr-FR" dirty="0" err="1">
+                          <a:latin typeface="Courier New" panose="02070309020205020404" pitchFamily="49" charset="0"/>
+                          <a:cs typeface="Courier New" panose="02070309020205020404" pitchFamily="49" charset="0"/>
+                        </a:rPr>
+                        <a:t>SetTemperatureAbsolueHumidityPressure</a:t>
+                      </a:r>
+                      <a:r>
+                        <a:rPr lang="fr-FR" dirty="0">
+                          <a:latin typeface="Courier New" panose="02070309020205020404" pitchFamily="49" charset="0"/>
+                          <a:cs typeface="Courier New" panose="02070309020205020404" pitchFamily="49" charset="0"/>
+                        </a:rPr>
+                        <a:t>(t: double, ah: double, p0: double)</a:t>
+                      </a:r>
+                    </a:p>
+                    <a:p>
+                      <a:pPr algn="l">
+                        <a:lnSpc>
+                          <a:spcPts val="2500"/>
+                        </a:lnSpc>
+                      </a:pPr>
+                      <a:r>
+                        <a:rPr lang="fr-FR" dirty="0">
+                          <a:latin typeface="Courier New" panose="02070309020205020404" pitchFamily="49" charset="0"/>
+                          <a:cs typeface="Courier New" panose="02070309020205020404" pitchFamily="49" charset="0"/>
+                        </a:rPr>
+                        <a:t>+ </a:t>
+                      </a:r>
+                      <a:r>
+                        <a:rPr lang="fr-FR" dirty="0" err="1">
+                          <a:latin typeface="Courier New" panose="02070309020205020404" pitchFamily="49" charset="0"/>
+                          <a:cs typeface="Courier New" panose="02070309020205020404" pitchFamily="49" charset="0"/>
+                        </a:rPr>
+                        <a:t>GetDryTemperature</a:t>
+                      </a:r>
+                      <a:r>
+                        <a:rPr lang="fr-FR" dirty="0">
+                          <a:latin typeface="Courier New" panose="02070309020205020404" pitchFamily="49" charset="0"/>
+                          <a:cs typeface="Courier New" panose="02070309020205020404" pitchFamily="49" charset="0"/>
+                        </a:rPr>
+                        <a:t>(): double</a:t>
+                      </a:r>
+                    </a:p>
+                    <a:p>
+                      <a:pPr algn="l">
+                        <a:lnSpc>
+                          <a:spcPts val="2500"/>
+                        </a:lnSpc>
+                      </a:pPr>
+                      <a:r>
+                        <a:rPr lang="fr-FR" dirty="0">
+                          <a:latin typeface="Courier New" panose="02070309020205020404" pitchFamily="49" charset="0"/>
+                          <a:cs typeface="Courier New" panose="02070309020205020404" pitchFamily="49" charset="0"/>
+                        </a:rPr>
+                        <a:t>+ </a:t>
+                      </a:r>
+                      <a:r>
+                        <a:rPr lang="fr-FR" dirty="0" err="1">
+                          <a:latin typeface="Courier New" panose="02070309020205020404" pitchFamily="49" charset="0"/>
+                          <a:cs typeface="Courier New" panose="02070309020205020404" pitchFamily="49" charset="0"/>
+                        </a:rPr>
+                        <a:t>GetTemperature</a:t>
+                      </a:r>
+                      <a:r>
+                        <a:rPr lang="fr-FR" dirty="0">
+                          <a:latin typeface="Courier New" panose="02070309020205020404" pitchFamily="49" charset="0"/>
+                          <a:cs typeface="Courier New" panose="02070309020205020404" pitchFamily="49" charset="0"/>
+                        </a:rPr>
+                        <a:t>(): double</a:t>
+                      </a:r>
+                    </a:p>
+                    <a:p>
+                      <a:pPr algn="l">
+                        <a:lnSpc>
+                          <a:spcPts val="2500"/>
+                        </a:lnSpc>
+                      </a:pPr>
+                      <a:r>
+                        <a:rPr lang="fr-FR" dirty="0">
+                          <a:latin typeface="Courier New" panose="02070309020205020404" pitchFamily="49" charset="0"/>
+                          <a:cs typeface="Courier New" panose="02070309020205020404" pitchFamily="49" charset="0"/>
+                        </a:rPr>
+                        <a:t>+ </a:t>
+                      </a:r>
+                      <a:r>
+                        <a:rPr lang="fr-FR" dirty="0" err="1">
+                          <a:latin typeface="Courier New" panose="02070309020205020404" pitchFamily="49" charset="0"/>
+                          <a:cs typeface="Courier New" panose="02070309020205020404" pitchFamily="49" charset="0"/>
+                        </a:rPr>
+                        <a:t>GetAbsoluteHumidity</a:t>
+                      </a:r>
+                      <a:r>
+                        <a:rPr lang="fr-FR" dirty="0">
+                          <a:latin typeface="Courier New" panose="02070309020205020404" pitchFamily="49" charset="0"/>
+                          <a:cs typeface="Courier New" panose="02070309020205020404" pitchFamily="49" charset="0"/>
+                        </a:rPr>
+                        <a:t>(): double</a:t>
+                      </a:r>
+                    </a:p>
+                    <a:p>
+                      <a:pPr algn="l">
+                        <a:lnSpc>
+                          <a:spcPts val="2500"/>
+                        </a:lnSpc>
+                      </a:pPr>
+                      <a:r>
+                        <a:rPr lang="fr-FR" dirty="0">
+                          <a:latin typeface="Courier New" panose="02070309020205020404" pitchFamily="49" charset="0"/>
+                          <a:cs typeface="Courier New" panose="02070309020205020404" pitchFamily="49" charset="0"/>
+                        </a:rPr>
+                        <a:t>+ </a:t>
+                      </a:r>
+                      <a:r>
+                        <a:rPr lang="fr-FR" dirty="0" err="1">
+                          <a:latin typeface="Courier New" panose="02070309020205020404" pitchFamily="49" charset="0"/>
+                          <a:cs typeface="Courier New" panose="02070309020205020404" pitchFamily="49" charset="0"/>
+                        </a:rPr>
+                        <a:t>GetVapourPressure</a:t>
+                      </a:r>
+                      <a:r>
+                        <a:rPr lang="fr-FR" dirty="0">
+                          <a:latin typeface="Courier New" panose="02070309020205020404" pitchFamily="49" charset="0"/>
+                          <a:cs typeface="Courier New" panose="02070309020205020404" pitchFamily="49" charset="0"/>
+                        </a:rPr>
+                        <a:t>(): double</a:t>
+                      </a:r>
+                    </a:p>
+                    <a:p>
+                      <a:pPr algn="l">
+                        <a:lnSpc>
+                          <a:spcPts val="2500"/>
+                        </a:lnSpc>
+                      </a:pPr>
+                      <a:r>
+                        <a:rPr lang="fr-FR" dirty="0">
+                          <a:latin typeface="Courier New" panose="02070309020205020404" pitchFamily="49" charset="0"/>
+                          <a:cs typeface="Courier New" panose="02070309020205020404" pitchFamily="49" charset="0"/>
+                        </a:rPr>
+                        <a:t>+ </a:t>
+                      </a:r>
+                      <a:r>
+                        <a:rPr lang="fr-FR" dirty="0" err="1">
+                          <a:latin typeface="Courier New" panose="02070309020205020404" pitchFamily="49" charset="0"/>
+                          <a:cs typeface="Courier New" panose="02070309020205020404" pitchFamily="49" charset="0"/>
+                        </a:rPr>
+                        <a:t>GetRelativeHumidity</a:t>
+                      </a:r>
+                      <a:r>
+                        <a:rPr lang="fr-FR" dirty="0">
+                          <a:latin typeface="Courier New" panose="02070309020205020404" pitchFamily="49" charset="0"/>
+                          <a:cs typeface="Courier New" panose="02070309020205020404" pitchFamily="49" charset="0"/>
+                        </a:rPr>
+                        <a:t>(): double</a:t>
+                      </a:r>
+                    </a:p>
+                    <a:p>
+                      <a:pPr algn="l">
+                        <a:lnSpc>
+                          <a:spcPts val="2500"/>
+                        </a:lnSpc>
+                      </a:pPr>
+                      <a:r>
+                        <a:rPr lang="fr-FR" dirty="0">
+                          <a:latin typeface="Courier New" panose="02070309020205020404" pitchFamily="49" charset="0"/>
+                          <a:cs typeface="Courier New" panose="02070309020205020404" pitchFamily="49" charset="0"/>
+                        </a:rPr>
+                        <a:t>+ </a:t>
+                      </a:r>
+                      <a:r>
+                        <a:rPr lang="fr-FR" dirty="0" err="1">
+                          <a:latin typeface="Courier New" panose="02070309020205020404" pitchFamily="49" charset="0"/>
+                          <a:cs typeface="Courier New" panose="02070309020205020404" pitchFamily="49" charset="0"/>
+                        </a:rPr>
+                        <a:t>GetSpecificEnthalpy</a:t>
+                      </a:r>
+                      <a:r>
+                        <a:rPr lang="fr-FR" dirty="0">
+                          <a:latin typeface="Courier New" panose="02070309020205020404" pitchFamily="49" charset="0"/>
+                          <a:cs typeface="Courier New" panose="02070309020205020404" pitchFamily="49" charset="0"/>
+                        </a:rPr>
+                        <a:t>(): double</a:t>
+                      </a:r>
+                    </a:p>
+                    <a:p>
+                      <a:pPr algn="l">
+                        <a:lnSpc>
+                          <a:spcPts val="2500"/>
+                        </a:lnSpc>
+                      </a:pPr>
+                      <a:r>
+                        <a:rPr lang="fr-FR" dirty="0">
+                          <a:latin typeface="Courier New" panose="02070309020205020404" pitchFamily="49" charset="0"/>
+                          <a:cs typeface="Courier New" panose="02070309020205020404" pitchFamily="49" charset="0"/>
+                        </a:rPr>
+                        <a:t>+ </a:t>
+                      </a:r>
+                      <a:r>
+                        <a:rPr lang="fr-FR" dirty="0" err="1">
+                          <a:latin typeface="Courier New" panose="02070309020205020404" pitchFamily="49" charset="0"/>
+                          <a:cs typeface="Courier New" panose="02070309020205020404" pitchFamily="49" charset="0"/>
+                        </a:rPr>
+                        <a:t>GetSpecificVolume</a:t>
+                      </a:r>
+                      <a:r>
+                        <a:rPr lang="fr-FR" dirty="0">
+                          <a:latin typeface="Courier New" panose="02070309020205020404" pitchFamily="49" charset="0"/>
+                          <a:cs typeface="Courier New" panose="02070309020205020404" pitchFamily="49" charset="0"/>
+                        </a:rPr>
+                        <a:t>(): double</a:t>
+                      </a:r>
+                    </a:p>
+                  </a:txBody>
+                  <a:tcPr anchor="ctr"/>
+                </a:tc>
+                <a:extLst>
+                  <a:ext uri="{0D108BD9-81ED-4DB2-BD59-A6C34878D82A}">
+                    <a16:rowId xmlns:a16="http://schemas.microsoft.com/office/drawing/2014/main" val="1825513579"/>
+                  </a:ext>
+                </a:extLst>
+              </a:tr>
+            </a:tbl>
+          </a:graphicData>
+        </a:graphic>
+      </p:graphicFrame>
+    </p:spTree>
+    <p:extLst>
+      <p:ext uri="{BB962C8B-B14F-4D97-AF65-F5344CB8AC3E}">
+        <p14:creationId xmlns:p14="http://schemas.microsoft.com/office/powerpoint/2010/main" val="2686016092"/>
+      </p:ext>
+    </p:extLst>
+  </p:cSld>
+  <p:clrMapOvr>
+    <a:masterClrMapping/>
+  </p:clrMapOvr>
+</p:sld>
+</file>
+
 <file path=ppt/theme/theme1.xml><?xml version="1.0" encoding="utf-8"?>
 <a:theme xmlns:a="http://schemas.openxmlformats.org/drawingml/2006/main" name="Thème Office">
   <a:themeElements>

--- a/doc/session2/UML.pptx
+++ b/doc/session2/UML.pptx
@@ -4552,14 +4552,14 @@
           <p:nvPr>
             <p:extLst>
               <p:ext uri="{D42A27DB-BD31-4B8C-83A1-F6EECF244321}">
-                <p14:modId xmlns:p14="http://schemas.microsoft.com/office/powerpoint/2010/main" val="3354007775"/>
+                <p14:modId xmlns:p14="http://schemas.microsoft.com/office/powerpoint/2010/main" val="1061309354"/>
               </p:ext>
             </p:extLst>
           </p:nvPr>
         </p:nvGraphicFramePr>
         <p:xfrm>
           <a:off x="729861" y="399098"/>
-          <a:ext cx="10732278" cy="6059804"/>
+          <a:ext cx="10732278" cy="5665335"/>
         </p:xfrm>
         <a:graphic>
           <a:graphicData uri="http://schemas.openxmlformats.org/drawingml/2006/table">
@@ -4576,7 +4576,7 @@
                   </a:extLst>
                 </a:gridCol>
               </a:tblGrid>
-              <a:tr h="501014">
+              <a:tr h="424045">
                 <a:tc>
                   <a:txBody>
                     <a:bodyPr/>
@@ -4618,7 +4618,7 @@
                   </a:ext>
                 </a:extLst>
               </a:tr>
-              <a:tr h="1002028">
+              <a:tr h="874427">
                 <a:tc>
                   <a:txBody>
                     <a:bodyPr/>
@@ -4755,7 +4755,7 @@
                   </a:ext>
                 </a:extLst>
               </a:tr>
-              <a:tr h="4308721">
+              <a:tr h="3646787">
                 <a:tc>
                   <a:txBody>
                     <a:bodyPr/>
@@ -4778,7 +4778,7 @@
                           <a:latin typeface="Courier New" panose="02070309020205020404" pitchFamily="49" charset="0"/>
                           <a:cs typeface="Courier New" panose="02070309020205020404" pitchFamily="49" charset="0"/>
                         </a:rPr>
-                        <a:t>PsychrometricCalculator</a:t>
+                        <a:t>PixelWriter</a:t>
                       </a:r>
                       <a:r>
                         <a:rPr lang="fr-FR" dirty="0">
@@ -4806,14 +4806,42 @@
                           <a:latin typeface="Courier New" panose="02070309020205020404" pitchFamily="49" charset="0"/>
                           <a:cs typeface="Courier New" panose="02070309020205020404" pitchFamily="49" charset="0"/>
                         </a:rPr>
-                        <a:t>PsychrometricCalculator</a:t>
-                      </a:r>
-                      <a:r>
-                        <a:rPr lang="fr-FR" dirty="0">
-                          <a:latin typeface="Courier New" panose="02070309020205020404" pitchFamily="49" charset="0"/>
-                          <a:cs typeface="Courier New" panose="02070309020205020404" pitchFamily="49" charset="0"/>
-                        </a:rPr>
-                        <a:t>(t: double, ah: double, p0: double)</a:t>
+                        <a:t>PixelWriter</a:t>
+                      </a:r>
+                      <a:r>
+                        <a:rPr lang="fr-FR" dirty="0">
+                          <a:latin typeface="Courier New" panose="02070309020205020404" pitchFamily="49" charset="0"/>
+                          <a:cs typeface="Courier New" panose="02070309020205020404" pitchFamily="49" charset="0"/>
+                        </a:rPr>
+                        <a:t>(</a:t>
+                      </a:r>
+                      <a:r>
+                        <a:rPr lang="fr-FR" dirty="0" err="1">
+                          <a:latin typeface="Courier New" panose="02070309020205020404" pitchFamily="49" charset="0"/>
+                          <a:cs typeface="Courier New" panose="02070309020205020404" pitchFamily="49" charset="0"/>
+                        </a:rPr>
+                        <a:t>device</a:t>
+                      </a:r>
+                      <a:r>
+                        <a:rPr lang="fr-FR" dirty="0">
+                          <a:latin typeface="Courier New" panose="02070309020205020404" pitchFamily="49" charset="0"/>
+                          <a:cs typeface="Courier New" panose="02070309020205020404" pitchFamily="49" charset="0"/>
+                        </a:rPr>
+                        <a:t>: </a:t>
+                      </a:r>
+                      <a:r>
+                        <a:rPr lang="fr-FR" dirty="0" err="1">
+                          <a:latin typeface="Courier New" panose="02070309020205020404" pitchFamily="49" charset="0"/>
+                          <a:cs typeface="Courier New" panose="02070309020205020404" pitchFamily="49" charset="0"/>
+                        </a:rPr>
+                        <a:t>SenseHat</a:t>
+                      </a:r>
+                      <a:r>
+                        <a:rPr lang="fr-FR" dirty="0">
+                          <a:latin typeface="Courier New" panose="02070309020205020404" pitchFamily="49" charset="0"/>
+                          <a:cs typeface="Courier New" panose="02070309020205020404" pitchFamily="49" charset="0"/>
+                        </a:rPr>
+                        <a:t>*)</a:t>
                       </a:r>
                     </a:p>
                     <a:p>
@@ -4834,7 +4862,7 @@
                           <a:latin typeface="Courier New" panose="02070309020205020404" pitchFamily="49" charset="0"/>
                           <a:cs typeface="Courier New" panose="02070309020205020404" pitchFamily="49" charset="0"/>
                         </a:rPr>
-                        <a:t>PsychrometricCalculator</a:t>
+                        <a:t>PixelWriter</a:t>
                       </a:r>
                       <a:r>
                         <a:rPr lang="fr-FR" dirty="0">
@@ -4904,28 +4932,28 @@
                           <a:latin typeface="Courier New" panose="02070309020205020404" pitchFamily="49" charset="0"/>
                           <a:cs typeface="Courier New" panose="02070309020205020404" pitchFamily="49" charset="0"/>
                         </a:rPr>
-                        <a:t>SetTemperatureRelativeHumidityPressure</a:t>
-                      </a:r>
-                      <a:r>
-                        <a:rPr lang="fr-FR" dirty="0">
-                          <a:latin typeface="Courier New" panose="02070309020205020404" pitchFamily="49" charset="0"/>
-                          <a:cs typeface="Courier New" panose="02070309020205020404" pitchFamily="49" charset="0"/>
-                        </a:rPr>
-                        <a:t>(t: double, </a:t>
-                      </a:r>
-                      <a:r>
-                        <a:rPr lang="fr-FR" dirty="0" err="1">
-                          <a:latin typeface="Courier New" panose="02070309020205020404" pitchFamily="49" charset="0"/>
-                          <a:cs typeface="Courier New" panose="02070309020205020404" pitchFamily="49" charset="0"/>
-                        </a:rPr>
-                        <a:t>rh</a:t>
-                      </a:r>
-                      <a:r>
-                        <a:rPr lang="fr-FR" dirty="0">
-                          <a:latin typeface="Courier New" panose="02070309020205020404" pitchFamily="49" charset="0"/>
-                          <a:cs typeface="Courier New" panose="02070309020205020404" pitchFamily="49" charset="0"/>
-                        </a:rPr>
-                        <a:t>: double, p0: double)</a:t>
+                        <a:t>DisplayPattern</a:t>
+                      </a:r>
+                      <a:r>
+                        <a:rPr lang="fr-FR" dirty="0">
+                          <a:latin typeface="Courier New" panose="02070309020205020404" pitchFamily="49" charset="0"/>
+                          <a:cs typeface="Courier New" panose="02070309020205020404" pitchFamily="49" charset="0"/>
+                        </a:rPr>
+                        <a:t>(pattern: </a:t>
+                      </a:r>
+                      <a:r>
+                        <a:rPr lang="fr-FR" dirty="0" err="1">
+                          <a:latin typeface="Courier New" panose="02070309020205020404" pitchFamily="49" charset="0"/>
+                          <a:cs typeface="Courier New" panose="02070309020205020404" pitchFamily="49" charset="0"/>
+                        </a:rPr>
+                        <a:t>bool</a:t>
+                      </a:r>
+                      <a:r>
+                        <a:rPr lang="fr-FR" dirty="0">
+                          <a:latin typeface="Courier New" panose="02070309020205020404" pitchFamily="49" charset="0"/>
+                          <a:cs typeface="Courier New" panose="02070309020205020404" pitchFamily="49" charset="0"/>
+                        </a:rPr>
+                        <a:t>*)</a:t>
                       </a:r>
                     </a:p>
                     <a:p>
@@ -4946,14 +4974,56 @@
                           <a:latin typeface="Courier New" panose="02070309020205020404" pitchFamily="49" charset="0"/>
                           <a:cs typeface="Courier New" panose="02070309020205020404" pitchFamily="49" charset="0"/>
                         </a:rPr>
-                        <a:t>SetTemperatureAbsolueHumidityPressure</a:t>
-                      </a:r>
-                      <a:r>
-                        <a:rPr lang="fr-FR" dirty="0">
-                          <a:latin typeface="Courier New" panose="02070309020205020404" pitchFamily="49" charset="0"/>
-                          <a:cs typeface="Courier New" panose="02070309020205020404" pitchFamily="49" charset="0"/>
-                        </a:rPr>
-                        <a:t>(t: double, ah: double, p0: double)</a:t>
+                        <a:t>DisplayPattern</a:t>
+                      </a:r>
+                      <a:r>
+                        <a:rPr lang="fr-FR" dirty="0">
+                          <a:latin typeface="Courier New" panose="02070309020205020404" pitchFamily="49" charset="0"/>
+                          <a:cs typeface="Courier New" panose="02070309020205020404" pitchFamily="49" charset="0"/>
+                        </a:rPr>
+                        <a:t>(pattern: std::</a:t>
+                      </a:r>
+                      <a:r>
+                        <a:rPr lang="fr-FR" dirty="0" err="1">
+                          <a:latin typeface="Courier New" panose="02070309020205020404" pitchFamily="49" charset="0"/>
+                          <a:cs typeface="Courier New" panose="02070309020205020404" pitchFamily="49" charset="0"/>
+                        </a:rPr>
+                        <a:t>vector</a:t>
+                      </a:r>
+                      <a:r>
+                        <a:rPr lang="fr-FR" dirty="0">
+                          <a:latin typeface="Courier New" panose="02070309020205020404" pitchFamily="49" charset="0"/>
+                          <a:cs typeface="Courier New" panose="02070309020205020404" pitchFamily="49" charset="0"/>
+                        </a:rPr>
+                        <a:t>&lt;std::</a:t>
+                      </a:r>
+                      <a:r>
+                        <a:rPr lang="fr-FR" dirty="0" err="1">
+                          <a:latin typeface="Courier New" panose="02070309020205020404" pitchFamily="49" charset="0"/>
+                          <a:cs typeface="Courier New" panose="02070309020205020404" pitchFamily="49" charset="0"/>
+                        </a:rPr>
+                        <a:t>vector</a:t>
+                      </a:r>
+                      <a:r>
+                        <a:rPr lang="fr-FR" dirty="0">
+                          <a:latin typeface="Courier New" panose="02070309020205020404" pitchFamily="49" charset="0"/>
+                          <a:cs typeface="Courier New" panose="02070309020205020404" pitchFamily="49" charset="0"/>
+                        </a:rPr>
+                        <a:t>&lt;</a:t>
+                      </a:r>
+                      <a:r>
+                        <a:rPr lang="fr-FR" dirty="0" err="1">
+                          <a:latin typeface="Courier New" panose="02070309020205020404" pitchFamily="49" charset="0"/>
+                          <a:cs typeface="Courier New" panose="02070309020205020404" pitchFamily="49" charset="0"/>
+                        </a:rPr>
+                        <a:t>bool</a:t>
+                      </a:r>
+                      <a:r>
+                        <a:rPr lang="fr-FR" dirty="0">
+                          <a:latin typeface="Courier New" panose="02070309020205020404" pitchFamily="49" charset="0"/>
+                          <a:cs typeface="Courier New" panose="02070309020205020404" pitchFamily="49" charset="0"/>
+                        </a:rPr>
+                        <a:t>&gt; &gt;&amp;)</a:t>
                       </a:r>
                     </a:p>
                     <a:p>
@@ -4974,14 +5044,42 @@
                           <a:latin typeface="Courier New" panose="02070309020205020404" pitchFamily="49" charset="0"/>
                           <a:cs typeface="Courier New" panose="02070309020205020404" pitchFamily="49" charset="0"/>
                         </a:rPr>
-                        <a:t>GetDryTemperature</a:t>
-                      </a:r>
-                      <a:r>
-                        <a:rPr lang="fr-FR" dirty="0">
-                          <a:latin typeface="Courier New" panose="02070309020205020404" pitchFamily="49" charset="0"/>
-                          <a:cs typeface="Courier New" panose="02070309020205020404" pitchFamily="49" charset="0"/>
-                        </a:rPr>
-                        <a:t>(): double</a:t>
+                        <a:t>SetForecolor</a:t>
+                      </a:r>
+                      <a:r>
+                        <a:rPr lang="fr-FR" dirty="0">
+                          <a:latin typeface="Courier New" panose="02070309020205020404" pitchFamily="49" charset="0"/>
+                          <a:cs typeface="Courier New" panose="02070309020205020404" pitchFamily="49" charset="0"/>
+                        </a:rPr>
+                        <a:t>(</a:t>
+                      </a:r>
+                      <a:r>
+                        <a:rPr lang="fr-FR" dirty="0" err="1">
+                          <a:latin typeface="Courier New" panose="02070309020205020404" pitchFamily="49" charset="0"/>
+                          <a:cs typeface="Courier New" panose="02070309020205020404" pitchFamily="49" charset="0"/>
+                        </a:rPr>
+                        <a:t>forecolor</a:t>
+                      </a:r>
+                      <a:r>
+                        <a:rPr lang="fr-FR" dirty="0">
+                          <a:latin typeface="Courier New" panose="02070309020205020404" pitchFamily="49" charset="0"/>
+                          <a:cs typeface="Courier New" panose="02070309020205020404" pitchFamily="49" charset="0"/>
+                        </a:rPr>
+                        <a:t>: </a:t>
+                      </a:r>
+                      <a:r>
+                        <a:rPr lang="fr-FR" dirty="0" err="1">
+                          <a:latin typeface="Courier New" panose="02070309020205020404" pitchFamily="49" charset="0"/>
+                          <a:cs typeface="Courier New" panose="02070309020205020404" pitchFamily="49" charset="0"/>
+                        </a:rPr>
+                        <a:t>Color_t</a:t>
+                      </a:r>
+                      <a:r>
+                        <a:rPr lang="fr-FR" dirty="0">
+                          <a:latin typeface="Courier New" panose="02070309020205020404" pitchFamily="49" charset="0"/>
+                          <a:cs typeface="Courier New" panose="02070309020205020404" pitchFamily="49" charset="0"/>
+                        </a:rPr>
+                        <a:t>)</a:t>
                       </a:r>
                     </a:p>
                     <a:p>
@@ -5002,14 +5100,42 @@
                           <a:latin typeface="Courier New" panose="02070309020205020404" pitchFamily="49" charset="0"/>
                           <a:cs typeface="Courier New" panose="02070309020205020404" pitchFamily="49" charset="0"/>
                         </a:rPr>
-                        <a:t>GetTemperature</a:t>
-                      </a:r>
-                      <a:r>
-                        <a:rPr lang="fr-FR" dirty="0">
-                          <a:latin typeface="Courier New" panose="02070309020205020404" pitchFamily="49" charset="0"/>
-                          <a:cs typeface="Courier New" panose="02070309020205020404" pitchFamily="49" charset="0"/>
-                        </a:rPr>
-                        <a:t>(): double</a:t>
+                        <a:t>SetBackcolor</a:t>
+                      </a:r>
+                      <a:r>
+                        <a:rPr lang="fr-FR" dirty="0">
+                          <a:latin typeface="Courier New" panose="02070309020205020404" pitchFamily="49" charset="0"/>
+                          <a:cs typeface="Courier New" panose="02070309020205020404" pitchFamily="49" charset="0"/>
+                        </a:rPr>
+                        <a:t>(</a:t>
+                      </a:r>
+                      <a:r>
+                        <a:rPr lang="fr-FR" dirty="0" err="1">
+                          <a:latin typeface="Courier New" panose="02070309020205020404" pitchFamily="49" charset="0"/>
+                          <a:cs typeface="Courier New" panose="02070309020205020404" pitchFamily="49" charset="0"/>
+                        </a:rPr>
+                        <a:t>backcolor</a:t>
+                      </a:r>
+                      <a:r>
+                        <a:rPr lang="fr-FR" dirty="0">
+                          <a:latin typeface="Courier New" panose="02070309020205020404" pitchFamily="49" charset="0"/>
+                          <a:cs typeface="Courier New" panose="02070309020205020404" pitchFamily="49" charset="0"/>
+                        </a:rPr>
+                        <a:t>: </a:t>
+                      </a:r>
+                      <a:r>
+                        <a:rPr lang="fr-FR" dirty="0" err="1">
+                          <a:latin typeface="Courier New" panose="02070309020205020404" pitchFamily="49" charset="0"/>
+                          <a:cs typeface="Courier New" panose="02070309020205020404" pitchFamily="49" charset="0"/>
+                        </a:rPr>
+                        <a:t>Color_t</a:t>
+                      </a:r>
+                      <a:r>
+                        <a:rPr lang="fr-FR" dirty="0">
+                          <a:latin typeface="Courier New" panose="02070309020205020404" pitchFamily="49" charset="0"/>
+                          <a:cs typeface="Courier New" panose="02070309020205020404" pitchFamily="49" charset="0"/>
+                        </a:rPr>
+                        <a:t>)</a:t>
                       </a:r>
                     </a:p>
                     <a:p>
@@ -5030,15 +5156,26 @@
                           <a:latin typeface="Courier New" panose="02070309020205020404" pitchFamily="49" charset="0"/>
                           <a:cs typeface="Courier New" panose="02070309020205020404" pitchFamily="49" charset="0"/>
                         </a:rPr>
-                        <a:t>GetAbsoluteHumidity</a:t>
-                      </a:r>
-                      <a:r>
-                        <a:rPr lang="fr-FR" dirty="0">
-                          <a:latin typeface="Courier New" panose="02070309020205020404" pitchFamily="49" charset="0"/>
-                          <a:cs typeface="Courier New" panose="02070309020205020404" pitchFamily="49" charset="0"/>
-                        </a:rPr>
-                        <a:t>(): double</a:t>
-                      </a:r>
+                        <a:t>GetForecolor</a:t>
+                      </a:r>
+                      <a:r>
+                        <a:rPr lang="fr-FR" dirty="0">
+                          <a:latin typeface="Courier New" panose="02070309020205020404" pitchFamily="49" charset="0"/>
+                          <a:cs typeface="Courier New" panose="02070309020205020404" pitchFamily="49" charset="0"/>
+                        </a:rPr>
+                        <a:t>(): </a:t>
+                      </a:r>
+                      <a:r>
+                        <a:rPr lang="fr-FR" dirty="0" err="1">
+                          <a:latin typeface="Courier New" panose="02070309020205020404" pitchFamily="49" charset="0"/>
+                          <a:cs typeface="Courier New" panose="02070309020205020404" pitchFamily="49" charset="0"/>
+                        </a:rPr>
+                        <a:t>Color_t</a:t>
+                      </a:r>
+                      <a:endParaRPr lang="fr-FR" dirty="0">
+                        <a:latin typeface="Courier New" panose="02070309020205020404" pitchFamily="49" charset="0"/>
+                        <a:cs typeface="Courier New" panose="02070309020205020404" pitchFamily="49" charset="0"/>
+                      </a:endParaRPr>
                     </a:p>
                     <a:p>
                       <a:pPr algn="l">
@@ -5058,15 +5195,26 @@
                           <a:latin typeface="Courier New" panose="02070309020205020404" pitchFamily="49" charset="0"/>
                           <a:cs typeface="Courier New" panose="02070309020205020404" pitchFamily="49" charset="0"/>
                         </a:rPr>
-                        <a:t>GetVapourPressure</a:t>
-                      </a:r>
-                      <a:r>
-                        <a:rPr lang="fr-FR" dirty="0">
-                          <a:latin typeface="Courier New" panose="02070309020205020404" pitchFamily="49" charset="0"/>
-                          <a:cs typeface="Courier New" panose="02070309020205020404" pitchFamily="49" charset="0"/>
-                        </a:rPr>
-                        <a:t>(): double</a:t>
-                      </a:r>
+                        <a:t>GetBackcolor</a:t>
+                      </a:r>
+                      <a:r>
+                        <a:rPr lang="fr-FR" dirty="0">
+                          <a:latin typeface="Courier New" panose="02070309020205020404" pitchFamily="49" charset="0"/>
+                          <a:cs typeface="Courier New" panose="02070309020205020404" pitchFamily="49" charset="0"/>
+                        </a:rPr>
+                        <a:t>(): </a:t>
+                      </a:r>
+                      <a:r>
+                        <a:rPr lang="fr-FR" dirty="0" err="1">
+                          <a:latin typeface="Courier New" panose="02070309020205020404" pitchFamily="49" charset="0"/>
+                          <a:cs typeface="Courier New" panose="02070309020205020404" pitchFamily="49" charset="0"/>
+                        </a:rPr>
+                        <a:t>Color_t</a:t>
+                      </a:r>
+                      <a:endParaRPr lang="fr-FR" dirty="0">
+                        <a:latin typeface="Courier New" panose="02070309020205020404" pitchFamily="49" charset="0"/>
+                        <a:cs typeface="Courier New" panose="02070309020205020404" pitchFamily="49" charset="0"/>
+                      </a:endParaRPr>
                     </a:p>
                     <a:p>
                       <a:pPr algn="l">
@@ -5086,21 +5234,33 @@
                           <a:latin typeface="Courier New" panose="02070309020205020404" pitchFamily="49" charset="0"/>
                           <a:cs typeface="Courier New" panose="02070309020205020404" pitchFamily="49" charset="0"/>
                         </a:rPr>
-                        <a:t>GetRelativeHumidity</a:t>
-                      </a:r>
-                      <a:r>
-                        <a:rPr lang="fr-FR" dirty="0">
-                          <a:latin typeface="Courier New" panose="02070309020205020404" pitchFamily="49" charset="0"/>
-                          <a:cs typeface="Courier New" panose="02070309020205020404" pitchFamily="49" charset="0"/>
-                        </a:rPr>
-                        <a:t>(): double</a:t>
+                        <a:t>DisplayCharacter</a:t>
+                      </a:r>
+                      <a:r>
+                        <a:rPr lang="fr-FR" dirty="0">
+                          <a:latin typeface="Courier New" panose="02070309020205020404" pitchFamily="49" charset="0"/>
+                          <a:cs typeface="Courier New" panose="02070309020205020404" pitchFamily="49" charset="0"/>
+                        </a:rPr>
+                        <a:t>(c: char)</a:t>
                       </a:r>
                     </a:p>
                     <a:p>
-                      <a:pPr algn="l">
+                      <a:pPr marL="0" marR="0" lvl="0" indent="0" algn="l" defTabSz="914400" rtl="0" eaLnBrk="1" fontAlgn="auto" latinLnBrk="0" hangingPunct="1">
                         <a:lnSpc>
                           <a:spcPts val="2500"/>
                         </a:lnSpc>
+                        <a:spcBef>
+                          <a:spcPts val="0"/>
+                        </a:spcBef>
+                        <a:spcAft>
+                          <a:spcPts val="0"/>
+                        </a:spcAft>
+                        <a:buClrTx/>
+                        <a:buSzTx/>
+                        <a:buFontTx/>
+                        <a:buNone/>
+                        <a:tabLst/>
+                        <a:defRPr/>
                       </a:pPr>
                       <a:r>
                         <a:rPr lang="fr-FR" dirty="0">
@@ -5114,42 +5274,14 @@
                           <a:latin typeface="Courier New" panose="02070309020205020404" pitchFamily="49" charset="0"/>
                           <a:cs typeface="Courier New" panose="02070309020205020404" pitchFamily="49" charset="0"/>
                         </a:rPr>
-                        <a:t>GetSpecificEnthalpy</a:t>
-                      </a:r>
-                      <a:r>
-                        <a:rPr lang="fr-FR" dirty="0">
-                          <a:latin typeface="Courier New" panose="02070309020205020404" pitchFamily="49" charset="0"/>
-                          <a:cs typeface="Courier New" panose="02070309020205020404" pitchFamily="49" charset="0"/>
-                        </a:rPr>
-                        <a:t>(): double</a:t>
-                      </a:r>
-                    </a:p>
-                    <a:p>
-                      <a:pPr algn="l">
-                        <a:lnSpc>
-                          <a:spcPts val="2500"/>
-                        </a:lnSpc>
-                      </a:pPr>
-                      <a:r>
-                        <a:rPr lang="fr-FR" dirty="0">
-                          <a:latin typeface="Courier New" panose="02070309020205020404" pitchFamily="49" charset="0"/>
-                          <a:cs typeface="Courier New" panose="02070309020205020404" pitchFamily="49" charset="0"/>
-                        </a:rPr>
-                        <a:t>+ </a:t>
-                      </a:r>
-                      <a:r>
-                        <a:rPr lang="fr-FR" dirty="0" err="1">
-                          <a:latin typeface="Courier New" panose="02070309020205020404" pitchFamily="49" charset="0"/>
-                          <a:cs typeface="Courier New" panose="02070309020205020404" pitchFamily="49" charset="0"/>
-                        </a:rPr>
-                        <a:t>GetSpecificVolume</a:t>
-                      </a:r>
-                      <a:r>
-                        <a:rPr lang="fr-FR" dirty="0">
-                          <a:latin typeface="Courier New" panose="02070309020205020404" pitchFamily="49" charset="0"/>
-                          <a:cs typeface="Courier New" panose="02070309020205020404" pitchFamily="49" charset="0"/>
-                        </a:rPr>
-                        <a:t>(): double</a:t>
+                        <a:t>DisplaySentence</a:t>
+                      </a:r>
+                      <a:r>
+                        <a:rPr lang="fr-FR" dirty="0">
+                          <a:latin typeface="Courier New" panose="02070309020205020404" pitchFamily="49" charset="0"/>
+                          <a:cs typeface="Courier New" panose="02070309020205020404" pitchFamily="49" charset="0"/>
+                        </a:rPr>
+                        <a:t>(s: std::string)</a:t>
                       </a:r>
                     </a:p>
                   </a:txBody>
